--- a/WebContent/assets/img/intention/게임선택.pptx
+++ b/WebContent/assets/img/intention/게임선택.pptx
@@ -105,6 +105,11 @@
       </a:defRPr>
     </a:lvl9pPr>
   </p:defaultTextStyle>
+  <p:extLst>
+    <p:ext uri="{EFAFB233-063F-42B5-8137-9DF3F51BA10A}">
+      <p15:sldGuideLst xmlns:p15="http://schemas.microsoft.com/office/powerpoint/2012/main"/>
+    </p:ext>
+  </p:extLst>
 </p:presentation>
 </file>
 
@@ -3488,13 +3493,20 @@
             <a:p>
               <a:pPr algn="ctr"/>
               <a:r>
-                <a:rPr lang="en-US" altLang="ko-KR" sz="5000" dirty="0">
+                <a:rPr lang="en-US" altLang="ko-KR" sz="2000" dirty="0" smtClean="0">
                   <a:latin typeface="a신디나루B" panose="02020600000000000000" pitchFamily="18" charset="-127"/>
                   <a:ea typeface="a신디나루B" panose="02020600000000000000" pitchFamily="18" charset="-127"/>
                 </a:rPr>
                 <a:t>5</a:t>
               </a:r>
-              <a:endParaRPr lang="ko-KR" altLang="en-US" sz="5000" dirty="0">
+              <a:r>
+                <a:rPr lang="ko-KR" altLang="en-US" sz="2000" dirty="0" smtClean="0">
+                  <a:latin typeface="a신디나루B" panose="02020600000000000000" pitchFamily="18" charset="-127"/>
+                  <a:ea typeface="a신디나루B" panose="02020600000000000000" pitchFamily="18" charset="-127"/>
+                </a:rPr>
+                <a:t>마리</a:t>
+              </a:r>
+              <a:endParaRPr lang="ko-KR" altLang="en-US" sz="2000" dirty="0">
                 <a:latin typeface="a신디나루B" panose="02020600000000000000" pitchFamily="18" charset="-127"/>
                 <a:ea typeface="a신디나루B" panose="02020600000000000000" pitchFamily="18" charset="-127"/>
               </a:endParaRPr>

--- a/WebContent/assets/img/intention/게임선택.pptx
+++ b/WebContent/assets/img/intention/게임선택.pptx
@@ -7,6 +7,7 @@
   <p:sldIdLst>
     <p:sldId id="256" r:id="rId2"/>
     <p:sldId id="257" r:id="rId3"/>
+    <p:sldId id="259" r:id="rId4"/>
   </p:sldIdLst>
   <p:sldSz cx="9144000" cy="6858000" type="screen4x3"/>
   <p:notesSz cx="6858000" cy="9144000"/>
@@ -3527,6 +3528,228 @@
 </p:sld>
 </file>
 
+<file path=ppt/slides/slide3.xml><?xml version="1.0" encoding="utf-8"?>
+<p:sld xmlns:a="http://schemas.openxmlformats.org/drawingml/2006/main" xmlns:r="http://schemas.openxmlformats.org/officeDocument/2006/relationships" xmlns:p="http://schemas.openxmlformats.org/presentationml/2006/main">
+  <p:cSld>
+    <p:spTree>
+      <p:nvGrpSpPr>
+        <p:cNvPr id="1" name=""/>
+        <p:cNvGrpSpPr/>
+        <p:nvPr/>
+      </p:nvGrpSpPr>
+      <p:grpSpPr>
+        <a:xfrm>
+          <a:off x="0" y="0"/>
+          <a:ext cx="0" cy="0"/>
+          <a:chOff x="0" y="0"/>
+          <a:chExt cx="0" cy="0"/>
+        </a:xfrm>
+      </p:grpSpPr>
+      <p:grpSp>
+        <p:nvGrpSpPr>
+          <p:cNvPr id="6" name="그룹 5"/>
+          <p:cNvGrpSpPr/>
+          <p:nvPr/>
+        </p:nvGrpSpPr>
+        <p:grpSpPr>
+          <a:xfrm>
+            <a:off x="0" y="0"/>
+            <a:ext cx="3409950" cy="2819400"/>
+            <a:chOff x="0" y="0"/>
+            <a:chExt cx="3409950" cy="2819400"/>
+          </a:xfrm>
+        </p:grpSpPr>
+        <p:grpSp>
+          <p:nvGrpSpPr>
+            <p:cNvPr id="2" name="그룹 1"/>
+            <p:cNvGrpSpPr/>
+            <p:nvPr/>
+          </p:nvGrpSpPr>
+          <p:grpSpPr>
+            <a:xfrm>
+              <a:off x="0" y="0"/>
+              <a:ext cx="3409950" cy="2819400"/>
+              <a:chOff x="0" y="0"/>
+              <a:chExt cx="3409950" cy="2819400"/>
+            </a:xfrm>
+          </p:grpSpPr>
+          <p:sp>
+            <p:nvSpPr>
+              <p:cNvPr id="4" name="직사각형 3"/>
+              <p:cNvSpPr/>
+              <p:nvPr/>
+            </p:nvSpPr>
+            <p:spPr>
+              <a:xfrm>
+                <a:off x="0" y="0"/>
+                <a:ext cx="3409950" cy="2819400"/>
+              </a:xfrm>
+              <a:prstGeom prst="rect">
+                <a:avLst/>
+              </a:prstGeom>
+              <a:solidFill>
+                <a:schemeClr val="accent4">
+                  <a:lumMod val="60000"/>
+                  <a:lumOff val="40000"/>
+                </a:schemeClr>
+              </a:solidFill>
+              <a:ln>
+                <a:noFill/>
+              </a:ln>
+            </p:spPr>
+            <p:style>
+              <a:lnRef idx="2">
+                <a:schemeClr val="accent1">
+                  <a:shade val="50000"/>
+                </a:schemeClr>
+              </a:lnRef>
+              <a:fillRef idx="1">
+                <a:schemeClr val="accent1"/>
+              </a:fillRef>
+              <a:effectRef idx="0">
+                <a:schemeClr val="accent1"/>
+              </a:effectRef>
+              <a:fontRef idx="minor">
+                <a:schemeClr val="lt1"/>
+              </a:fontRef>
+            </p:style>
+            <p:txBody>
+              <a:bodyPr rtlCol="0" anchor="ctr"/>
+              <a:lstStyle/>
+              <a:p>
+                <a:pPr algn="ctr"/>
+                <a:endParaRPr lang="ko-KR" altLang="en-US"/>
+              </a:p>
+            </p:txBody>
+          </p:sp>
+          <p:sp>
+            <p:nvSpPr>
+              <p:cNvPr id="5" name="직사각형 4"/>
+              <p:cNvSpPr/>
+              <p:nvPr/>
+            </p:nvSpPr>
+            <p:spPr>
+              <a:xfrm>
+                <a:off x="0" y="2032000"/>
+                <a:ext cx="3409950" cy="787400"/>
+              </a:xfrm>
+              <a:prstGeom prst="rect">
+                <a:avLst/>
+              </a:prstGeom>
+              <a:solidFill>
+                <a:schemeClr val="tx1">
+                  <a:lumMod val="75000"/>
+                  <a:lumOff val="25000"/>
+                </a:schemeClr>
+              </a:solidFill>
+              <a:ln>
+                <a:noFill/>
+              </a:ln>
+            </p:spPr>
+            <p:style>
+              <a:lnRef idx="2">
+                <a:schemeClr val="accent1">
+                  <a:shade val="50000"/>
+                </a:schemeClr>
+              </a:lnRef>
+              <a:fillRef idx="1">
+                <a:schemeClr val="accent1"/>
+              </a:fillRef>
+              <a:effectRef idx="0">
+                <a:schemeClr val="accent1"/>
+              </a:effectRef>
+              <a:fontRef idx="minor">
+                <a:schemeClr val="lt1"/>
+              </a:fontRef>
+            </p:style>
+            <p:txBody>
+              <a:bodyPr rtlCol="0" anchor="ctr"/>
+              <a:lstStyle/>
+              <a:p>
+                <a:pPr algn="ctr"/>
+                <a:r>
+                  <a:rPr lang="en-US" altLang="ko-KR" sz="3000" dirty="0" smtClean="0">
+                    <a:latin typeface="a신디나루B" panose="02020600000000000000" pitchFamily="18" charset="-127"/>
+                    <a:ea typeface="a신디나루B" panose="02020600000000000000" pitchFamily="18" charset="-127"/>
+                  </a:rPr>
+                  <a:t>COMING SOON</a:t>
+                </a:r>
+                <a:endParaRPr lang="ko-KR" altLang="en-US" sz="3000" dirty="0">
+                  <a:latin typeface="a신디나루B" panose="02020600000000000000" pitchFamily="18" charset="-127"/>
+                  <a:ea typeface="a신디나루B" panose="02020600000000000000" pitchFamily="18" charset="-127"/>
+                </a:endParaRPr>
+              </a:p>
+            </p:txBody>
+          </p:sp>
+        </p:grpSp>
+        <p:sp>
+          <p:nvSpPr>
+            <p:cNvPr id="8" name="모서리가 둥근 직사각형 7"/>
+            <p:cNvSpPr/>
+            <p:nvPr/>
+          </p:nvSpPr>
+          <p:spPr>
+            <a:xfrm>
+              <a:off x="1063608" y="374634"/>
+              <a:ext cx="1282733" cy="1282733"/>
+            </a:xfrm>
+            <a:prstGeom prst="roundRect">
+              <a:avLst/>
+            </a:prstGeom>
+            <a:noFill/>
+            <a:ln>
+              <a:noFill/>
+            </a:ln>
+          </p:spPr>
+          <p:style>
+            <a:lnRef idx="2">
+              <a:schemeClr val="accent1">
+                <a:shade val="50000"/>
+              </a:schemeClr>
+            </a:lnRef>
+            <a:fillRef idx="1">
+              <a:schemeClr val="accent1"/>
+            </a:fillRef>
+            <a:effectRef idx="0">
+              <a:schemeClr val="accent1"/>
+            </a:effectRef>
+            <a:fontRef idx="minor">
+              <a:schemeClr val="lt1"/>
+            </a:fontRef>
+          </p:style>
+          <p:txBody>
+            <a:bodyPr rtlCol="0" anchor="ctr"/>
+            <a:lstStyle/>
+            <a:p>
+              <a:pPr algn="ctr"/>
+              <a:r>
+                <a:rPr lang="en-US" altLang="ko-KR" sz="7000" dirty="0">
+                  <a:latin typeface="a신디나루B" panose="02020600000000000000" pitchFamily="18" charset="-127"/>
+                  <a:ea typeface="a신디나루B" panose="02020600000000000000" pitchFamily="18" charset="-127"/>
+                </a:rPr>
+                <a:t>?</a:t>
+              </a:r>
+              <a:endParaRPr lang="ko-KR" altLang="en-US" sz="7000" dirty="0">
+                <a:latin typeface="a신디나루B" panose="02020600000000000000" pitchFamily="18" charset="-127"/>
+                <a:ea typeface="a신디나루B" panose="02020600000000000000" pitchFamily="18" charset="-127"/>
+              </a:endParaRPr>
+            </a:p>
+          </p:txBody>
+        </p:sp>
+      </p:grpSp>
+    </p:spTree>
+    <p:extLst>
+      <p:ext uri="{BB962C8B-B14F-4D97-AF65-F5344CB8AC3E}">
+        <p14:creationId xmlns:p14="http://schemas.microsoft.com/office/powerpoint/2010/main" val="94388810"/>
+      </p:ext>
+    </p:extLst>
+  </p:cSld>
+  <p:clrMapOvr>
+    <a:masterClrMapping/>
+  </p:clrMapOvr>
+</p:sld>
+</file>
+
 <file path=ppt/theme/theme1.xml><?xml version="1.0" encoding="utf-8"?>
 <a:theme xmlns:a="http://schemas.openxmlformats.org/drawingml/2006/main" name="Office 테마">
   <a:themeElements>

--- a/WebContent/assets/img/intention/게임선택.pptx
+++ b/WebContent/assets/img/intention/게임선택.pptx
@@ -8,6 +8,7 @@
     <p:sldId id="256" r:id="rId2"/>
     <p:sldId id="257" r:id="rId3"/>
     <p:sldId id="259" r:id="rId4"/>
+    <p:sldId id="260" r:id="rId5"/>
   </p:sldIdLst>
   <p:sldSz cx="9144000" cy="6858000" type="screen4x3"/>
   <p:notesSz cx="6858000" cy="9144000"/>
@@ -245,7 +246,7 @@
           <a:p>
             <a:fld id="{56CAE630-C057-4391-B209-D260B0F29D16}" type="datetimeFigureOut">
               <a:rPr lang="ko-KR" altLang="en-US" smtClean="0"/>
-              <a:t>2014-05-21</a:t>
+              <a:t>2014-10-09</a:t>
             </a:fld>
             <a:endParaRPr lang="ko-KR" altLang="en-US"/>
           </a:p>
@@ -415,7 +416,7 @@
           <a:p>
             <a:fld id="{56CAE630-C057-4391-B209-D260B0F29D16}" type="datetimeFigureOut">
               <a:rPr lang="ko-KR" altLang="en-US" smtClean="0"/>
-              <a:t>2014-05-21</a:t>
+              <a:t>2014-10-09</a:t>
             </a:fld>
             <a:endParaRPr lang="ko-KR" altLang="en-US"/>
           </a:p>
@@ -595,7 +596,7 @@
           <a:p>
             <a:fld id="{56CAE630-C057-4391-B209-D260B0F29D16}" type="datetimeFigureOut">
               <a:rPr lang="ko-KR" altLang="en-US" smtClean="0"/>
-              <a:t>2014-05-21</a:t>
+              <a:t>2014-10-09</a:t>
             </a:fld>
             <a:endParaRPr lang="ko-KR" altLang="en-US"/>
           </a:p>
@@ -765,7 +766,7 @@
           <a:p>
             <a:fld id="{56CAE630-C057-4391-B209-D260B0F29D16}" type="datetimeFigureOut">
               <a:rPr lang="ko-KR" altLang="en-US" smtClean="0"/>
-              <a:t>2014-05-21</a:t>
+              <a:t>2014-10-09</a:t>
             </a:fld>
             <a:endParaRPr lang="ko-KR" altLang="en-US"/>
           </a:p>
@@ -1009,7 +1010,7 @@
           <a:p>
             <a:fld id="{56CAE630-C057-4391-B209-D260B0F29D16}" type="datetimeFigureOut">
               <a:rPr lang="ko-KR" altLang="en-US" smtClean="0"/>
-              <a:t>2014-05-21</a:t>
+              <a:t>2014-10-09</a:t>
             </a:fld>
             <a:endParaRPr lang="ko-KR" altLang="en-US"/>
           </a:p>
@@ -1241,7 +1242,7 @@
           <a:p>
             <a:fld id="{56CAE630-C057-4391-B209-D260B0F29D16}" type="datetimeFigureOut">
               <a:rPr lang="ko-KR" altLang="en-US" smtClean="0"/>
-              <a:t>2014-05-21</a:t>
+              <a:t>2014-10-09</a:t>
             </a:fld>
             <a:endParaRPr lang="ko-KR" altLang="en-US"/>
           </a:p>
@@ -1608,7 +1609,7 @@
           <a:p>
             <a:fld id="{56CAE630-C057-4391-B209-D260B0F29D16}" type="datetimeFigureOut">
               <a:rPr lang="ko-KR" altLang="en-US" smtClean="0"/>
-              <a:t>2014-05-21</a:t>
+              <a:t>2014-10-09</a:t>
             </a:fld>
             <a:endParaRPr lang="ko-KR" altLang="en-US"/>
           </a:p>
@@ -1726,7 +1727,7 @@
           <a:p>
             <a:fld id="{56CAE630-C057-4391-B209-D260B0F29D16}" type="datetimeFigureOut">
               <a:rPr lang="ko-KR" altLang="en-US" smtClean="0"/>
-              <a:t>2014-05-21</a:t>
+              <a:t>2014-10-09</a:t>
             </a:fld>
             <a:endParaRPr lang="ko-KR" altLang="en-US"/>
           </a:p>
@@ -1821,7 +1822,7 @@
           <a:p>
             <a:fld id="{56CAE630-C057-4391-B209-D260B0F29D16}" type="datetimeFigureOut">
               <a:rPr lang="ko-KR" altLang="en-US" smtClean="0"/>
-              <a:t>2014-05-21</a:t>
+              <a:t>2014-10-09</a:t>
             </a:fld>
             <a:endParaRPr lang="ko-KR" altLang="en-US"/>
           </a:p>
@@ -2098,7 +2099,7 @@
           <a:p>
             <a:fld id="{56CAE630-C057-4391-B209-D260B0F29D16}" type="datetimeFigureOut">
               <a:rPr lang="ko-KR" altLang="en-US" smtClean="0"/>
-              <a:t>2014-05-21</a:t>
+              <a:t>2014-10-09</a:t>
             </a:fld>
             <a:endParaRPr lang="ko-KR" altLang="en-US"/>
           </a:p>
@@ -2355,7 +2356,7 @@
           <a:p>
             <a:fld id="{56CAE630-C057-4391-B209-D260B0F29D16}" type="datetimeFigureOut">
               <a:rPr lang="ko-KR" altLang="en-US" smtClean="0"/>
-              <a:t>2014-05-21</a:t>
+              <a:t>2014-10-09</a:t>
             </a:fld>
             <a:endParaRPr lang="ko-KR" altLang="en-US"/>
           </a:p>
@@ -2568,7 +2569,7 @@
           <a:p>
             <a:fld id="{56CAE630-C057-4391-B209-D260B0F29D16}" type="datetimeFigureOut">
               <a:rPr lang="ko-KR" altLang="en-US" smtClean="0"/>
-              <a:t>2014-05-21</a:t>
+              <a:t>2014-10-09</a:t>
             </a:fld>
             <a:endParaRPr lang="ko-KR" altLang="en-US"/>
           </a:p>
@@ -3547,7 +3548,432 @@
       </p:grpSpPr>
       <p:grpSp>
         <p:nvGrpSpPr>
-          <p:cNvPr id="6" name="그룹 5"/>
+          <p:cNvPr id="7" name="그룹 6"/>
+          <p:cNvGrpSpPr/>
+          <p:nvPr/>
+        </p:nvGrpSpPr>
+        <p:grpSpPr>
+          <a:xfrm>
+            <a:off x="0" y="0"/>
+            <a:ext cx="3409950" cy="2819400"/>
+            <a:chOff x="0" y="0"/>
+            <a:chExt cx="3409950" cy="2819400"/>
+          </a:xfrm>
+        </p:grpSpPr>
+        <p:grpSp>
+          <p:nvGrpSpPr>
+            <p:cNvPr id="6" name="그룹 5"/>
+            <p:cNvGrpSpPr/>
+            <p:nvPr/>
+          </p:nvGrpSpPr>
+          <p:grpSpPr>
+            <a:xfrm>
+              <a:off x="0" y="0"/>
+              <a:ext cx="3409950" cy="2819400"/>
+              <a:chOff x="0" y="0"/>
+              <a:chExt cx="3409950" cy="2819400"/>
+            </a:xfrm>
+          </p:grpSpPr>
+          <p:grpSp>
+            <p:nvGrpSpPr>
+              <p:cNvPr id="2" name="그룹 1"/>
+              <p:cNvGrpSpPr/>
+              <p:nvPr/>
+            </p:nvGrpSpPr>
+            <p:grpSpPr>
+              <a:xfrm>
+                <a:off x="0" y="0"/>
+                <a:ext cx="3409950" cy="2819400"/>
+                <a:chOff x="0" y="0"/>
+                <a:chExt cx="3409950" cy="2819400"/>
+              </a:xfrm>
+            </p:grpSpPr>
+            <p:sp>
+              <p:nvSpPr>
+                <p:cNvPr id="4" name="직사각형 3"/>
+                <p:cNvSpPr/>
+                <p:nvPr/>
+              </p:nvSpPr>
+              <p:spPr>
+                <a:xfrm>
+                  <a:off x="0" y="0"/>
+                  <a:ext cx="3409950" cy="2819400"/>
+                </a:xfrm>
+                <a:prstGeom prst="rect">
+                  <a:avLst/>
+                </a:prstGeom>
+                <a:solidFill>
+                  <a:schemeClr val="accent1">
+                    <a:lumMod val="75000"/>
+                  </a:schemeClr>
+                </a:solidFill>
+                <a:ln>
+                  <a:noFill/>
+                </a:ln>
+              </p:spPr>
+              <p:style>
+                <a:lnRef idx="2">
+                  <a:schemeClr val="accent1">
+                    <a:shade val="50000"/>
+                  </a:schemeClr>
+                </a:lnRef>
+                <a:fillRef idx="1">
+                  <a:schemeClr val="accent1"/>
+                </a:fillRef>
+                <a:effectRef idx="0">
+                  <a:schemeClr val="accent1"/>
+                </a:effectRef>
+                <a:fontRef idx="minor">
+                  <a:schemeClr val="lt1"/>
+                </a:fontRef>
+              </p:style>
+              <p:txBody>
+                <a:bodyPr rtlCol="0" anchor="ctr"/>
+                <a:lstStyle/>
+                <a:p>
+                  <a:pPr algn="ctr"/>
+                  <a:endParaRPr lang="ko-KR" altLang="en-US"/>
+                </a:p>
+              </p:txBody>
+            </p:sp>
+            <p:sp>
+              <p:nvSpPr>
+                <p:cNvPr id="5" name="직사각형 4"/>
+                <p:cNvSpPr/>
+                <p:nvPr/>
+              </p:nvSpPr>
+              <p:spPr>
+                <a:xfrm>
+                  <a:off x="0" y="2032000"/>
+                  <a:ext cx="3409950" cy="787400"/>
+                </a:xfrm>
+                <a:prstGeom prst="rect">
+                  <a:avLst/>
+                </a:prstGeom>
+                <a:solidFill>
+                  <a:schemeClr val="tx1">
+                    <a:lumMod val="75000"/>
+                    <a:lumOff val="25000"/>
+                  </a:schemeClr>
+                </a:solidFill>
+                <a:ln>
+                  <a:noFill/>
+                </a:ln>
+              </p:spPr>
+              <p:style>
+                <a:lnRef idx="2">
+                  <a:schemeClr val="accent1">
+                    <a:shade val="50000"/>
+                  </a:schemeClr>
+                </a:lnRef>
+                <a:fillRef idx="1">
+                  <a:schemeClr val="accent1"/>
+                </a:fillRef>
+                <a:effectRef idx="0">
+                  <a:schemeClr val="accent1"/>
+                </a:effectRef>
+                <a:fontRef idx="minor">
+                  <a:schemeClr val="lt1"/>
+                </a:fontRef>
+              </p:style>
+              <p:txBody>
+                <a:bodyPr rtlCol="0" anchor="ctr"/>
+                <a:lstStyle/>
+                <a:p>
+                  <a:pPr algn="ctr"/>
+                  <a:r>
+                    <a:rPr lang="ko-KR" altLang="en-US" sz="3000" dirty="0" smtClean="0">
+                      <a:latin typeface="a신디나루B" panose="02020600000000000000" pitchFamily="18" charset="-127"/>
+                      <a:ea typeface="a신디나루B" panose="02020600000000000000" pitchFamily="18" charset="-127"/>
+                    </a:rPr>
+                    <a:t>색깔 순서 맞추기</a:t>
+                  </a:r>
+                  <a:endParaRPr lang="ko-KR" altLang="en-US" sz="3000" dirty="0">
+                    <a:latin typeface="a신디나루B" panose="02020600000000000000" pitchFamily="18" charset="-127"/>
+                    <a:ea typeface="a신디나루B" panose="02020600000000000000" pitchFamily="18" charset="-127"/>
+                  </a:endParaRPr>
+                </a:p>
+              </p:txBody>
+            </p:sp>
+          </p:grpSp>
+          <p:sp>
+            <p:nvSpPr>
+              <p:cNvPr id="8" name="모서리가 둥근 직사각형 7"/>
+              <p:cNvSpPr/>
+              <p:nvPr/>
+            </p:nvSpPr>
+            <p:spPr>
+              <a:xfrm>
+                <a:off x="1063608" y="374634"/>
+                <a:ext cx="1282733" cy="1282733"/>
+              </a:xfrm>
+              <a:prstGeom prst="roundRect">
+                <a:avLst/>
+              </a:prstGeom>
+              <a:noFill/>
+              <a:ln>
+                <a:noFill/>
+              </a:ln>
+            </p:spPr>
+            <p:style>
+              <a:lnRef idx="2">
+                <a:schemeClr val="accent1">
+                  <a:shade val="50000"/>
+                </a:schemeClr>
+              </a:lnRef>
+              <a:fillRef idx="1">
+                <a:schemeClr val="accent1"/>
+              </a:fillRef>
+              <a:effectRef idx="0">
+                <a:schemeClr val="accent1"/>
+              </a:effectRef>
+              <a:fontRef idx="minor">
+                <a:schemeClr val="lt1"/>
+              </a:fontRef>
+            </p:style>
+            <p:txBody>
+              <a:bodyPr rtlCol="0" anchor="ctr"/>
+              <a:lstStyle/>
+              <a:p>
+                <a:pPr algn="ctr"/>
+                <a:endParaRPr lang="ko-KR" altLang="en-US" sz="7000" dirty="0">
+                  <a:latin typeface="a신디나루B" panose="02020600000000000000" pitchFamily="18" charset="-127"/>
+                  <a:ea typeface="a신디나루B" panose="02020600000000000000" pitchFamily="18" charset="-127"/>
+                </a:endParaRPr>
+              </a:p>
+            </p:txBody>
+          </p:sp>
+        </p:grpSp>
+        <p:sp>
+          <p:nvSpPr>
+            <p:cNvPr id="10" name="모서리가 둥근 직사각형 9"/>
+            <p:cNvSpPr/>
+            <p:nvPr/>
+          </p:nvSpPr>
+          <p:spPr>
+            <a:xfrm>
+              <a:off x="556287" y="105402"/>
+              <a:ext cx="705875" cy="712761"/>
+            </a:xfrm>
+            <a:prstGeom prst="roundRect">
+              <a:avLst/>
+            </a:prstGeom>
+            <a:solidFill>
+              <a:srgbClr val="FF0000"/>
+            </a:solidFill>
+            <a:ln>
+              <a:noFill/>
+            </a:ln>
+          </p:spPr>
+          <p:style>
+            <a:lnRef idx="2">
+              <a:schemeClr val="accent1">
+                <a:shade val="50000"/>
+              </a:schemeClr>
+            </a:lnRef>
+            <a:fillRef idx="1">
+              <a:schemeClr val="accent1"/>
+            </a:fillRef>
+            <a:effectRef idx="0">
+              <a:schemeClr val="accent1"/>
+            </a:effectRef>
+            <a:fontRef idx="minor">
+              <a:schemeClr val="lt1"/>
+            </a:fontRef>
+          </p:style>
+          <p:txBody>
+            <a:bodyPr rtlCol="0" anchor="ctr"/>
+            <a:lstStyle/>
+            <a:p>
+              <a:pPr algn="ctr"/>
+              <a:endParaRPr lang="ko-KR" altLang="en-US" sz="5000" dirty="0">
+                <a:latin typeface="a신디나루B" panose="02020600000000000000" pitchFamily="18" charset="-127"/>
+                <a:ea typeface="a신디나루B" panose="02020600000000000000" pitchFamily="18" charset="-127"/>
+              </a:endParaRPr>
+            </a:p>
+          </p:txBody>
+        </p:sp>
+        <p:sp>
+          <p:nvSpPr>
+            <p:cNvPr id="11" name="모서리가 둥근 직사각형 10"/>
+            <p:cNvSpPr/>
+            <p:nvPr/>
+          </p:nvSpPr>
+          <p:spPr>
+            <a:xfrm>
+              <a:off x="1108663" y="451687"/>
+              <a:ext cx="705875" cy="712761"/>
+            </a:xfrm>
+            <a:prstGeom prst="roundRect">
+              <a:avLst/>
+            </a:prstGeom>
+            <a:solidFill>
+              <a:srgbClr val="FFC000"/>
+            </a:solidFill>
+            <a:ln>
+              <a:noFill/>
+            </a:ln>
+          </p:spPr>
+          <p:style>
+            <a:lnRef idx="2">
+              <a:schemeClr val="accent1">
+                <a:shade val="50000"/>
+              </a:schemeClr>
+            </a:lnRef>
+            <a:fillRef idx="1">
+              <a:schemeClr val="accent1"/>
+            </a:fillRef>
+            <a:effectRef idx="0">
+              <a:schemeClr val="accent1"/>
+            </a:effectRef>
+            <a:fontRef idx="minor">
+              <a:schemeClr val="lt1"/>
+            </a:fontRef>
+          </p:style>
+          <p:txBody>
+            <a:bodyPr rtlCol="0" anchor="ctr"/>
+            <a:lstStyle/>
+            <a:p>
+              <a:pPr algn="ctr"/>
+              <a:endParaRPr lang="ko-KR" altLang="en-US" sz="5000" dirty="0">
+                <a:latin typeface="a신디나루B" panose="02020600000000000000" pitchFamily="18" charset="-127"/>
+                <a:ea typeface="a신디나루B" panose="02020600000000000000" pitchFamily="18" charset="-127"/>
+              </a:endParaRPr>
+            </a:p>
+          </p:txBody>
+        </p:sp>
+        <p:sp>
+          <p:nvSpPr>
+            <p:cNvPr id="12" name="모서리가 둥근 직사각형 11"/>
+            <p:cNvSpPr/>
+            <p:nvPr/>
+          </p:nvSpPr>
+          <p:spPr>
+            <a:xfrm>
+              <a:off x="1640466" y="821453"/>
+              <a:ext cx="705875" cy="712761"/>
+            </a:xfrm>
+            <a:prstGeom prst="roundRect">
+              <a:avLst/>
+            </a:prstGeom>
+            <a:solidFill>
+              <a:srgbClr val="92D050"/>
+            </a:solidFill>
+            <a:ln>
+              <a:noFill/>
+            </a:ln>
+          </p:spPr>
+          <p:style>
+            <a:lnRef idx="2">
+              <a:schemeClr val="accent1">
+                <a:shade val="50000"/>
+              </a:schemeClr>
+            </a:lnRef>
+            <a:fillRef idx="1">
+              <a:schemeClr val="accent1"/>
+            </a:fillRef>
+            <a:effectRef idx="0">
+              <a:schemeClr val="accent1"/>
+            </a:effectRef>
+            <a:fontRef idx="minor">
+              <a:schemeClr val="lt1"/>
+            </a:fontRef>
+          </p:style>
+          <p:txBody>
+            <a:bodyPr rtlCol="0" anchor="ctr"/>
+            <a:lstStyle/>
+            <a:p>
+              <a:pPr algn="ctr"/>
+              <a:endParaRPr lang="ko-KR" altLang="en-US" sz="5000" dirty="0">
+                <a:latin typeface="a신디나루B" panose="02020600000000000000" pitchFamily="18" charset="-127"/>
+                <a:ea typeface="a신디나루B" panose="02020600000000000000" pitchFamily="18" charset="-127"/>
+              </a:endParaRPr>
+            </a:p>
+          </p:txBody>
+        </p:sp>
+        <p:sp>
+          <p:nvSpPr>
+            <p:cNvPr id="13" name="모서리가 둥근 직사각형 12"/>
+            <p:cNvSpPr/>
+            <p:nvPr/>
+          </p:nvSpPr>
+          <p:spPr>
+            <a:xfrm>
+              <a:off x="2182114" y="1213838"/>
+              <a:ext cx="705875" cy="712761"/>
+            </a:xfrm>
+            <a:prstGeom prst="roundRect">
+              <a:avLst/>
+            </a:prstGeom>
+            <a:solidFill>
+              <a:srgbClr val="00B0F0"/>
+            </a:solidFill>
+            <a:ln>
+              <a:noFill/>
+            </a:ln>
+          </p:spPr>
+          <p:style>
+            <a:lnRef idx="2">
+              <a:schemeClr val="accent1">
+                <a:shade val="50000"/>
+              </a:schemeClr>
+            </a:lnRef>
+            <a:fillRef idx="1">
+              <a:schemeClr val="accent1"/>
+            </a:fillRef>
+            <a:effectRef idx="0">
+              <a:schemeClr val="accent1"/>
+            </a:effectRef>
+            <a:fontRef idx="minor">
+              <a:schemeClr val="lt1"/>
+            </a:fontRef>
+          </p:style>
+          <p:txBody>
+            <a:bodyPr rtlCol="0" anchor="ctr"/>
+            <a:lstStyle/>
+            <a:p>
+              <a:pPr algn="ctr"/>
+              <a:endParaRPr lang="ko-KR" altLang="en-US" sz="5000" dirty="0">
+                <a:latin typeface="a신디나루B" panose="02020600000000000000" pitchFamily="18" charset="-127"/>
+                <a:ea typeface="a신디나루B" panose="02020600000000000000" pitchFamily="18" charset="-127"/>
+              </a:endParaRPr>
+            </a:p>
+          </p:txBody>
+        </p:sp>
+      </p:grpSp>
+    </p:spTree>
+    <p:extLst>
+      <p:ext uri="{BB962C8B-B14F-4D97-AF65-F5344CB8AC3E}">
+        <p14:creationId xmlns:p14="http://schemas.microsoft.com/office/powerpoint/2010/main" val="94388810"/>
+      </p:ext>
+    </p:extLst>
+  </p:cSld>
+  <p:clrMapOvr>
+    <a:masterClrMapping/>
+  </p:clrMapOvr>
+</p:sld>
+</file>
+
+<file path=ppt/slides/slide4.xml><?xml version="1.0" encoding="utf-8"?>
+<p:sld xmlns:a="http://schemas.openxmlformats.org/drawingml/2006/main" xmlns:r="http://schemas.openxmlformats.org/officeDocument/2006/relationships" xmlns:p="http://schemas.openxmlformats.org/presentationml/2006/main">
+  <p:cSld>
+    <p:spTree>
+      <p:nvGrpSpPr>
+        <p:cNvPr id="1" name=""/>
+        <p:cNvGrpSpPr/>
+        <p:nvPr/>
+      </p:nvGrpSpPr>
+      <p:grpSpPr>
+        <a:xfrm>
+          <a:off x="0" y="0"/>
+          <a:ext cx="0" cy="0"/>
+          <a:chOff x="0" y="0"/>
+          <a:chExt cx="0" cy="0"/>
+        </a:xfrm>
+      </p:grpSpPr>
+      <p:grpSp>
+        <p:nvGrpSpPr>
+          <p:cNvPr id="3" name="그룹 2"/>
           <p:cNvGrpSpPr/>
           <p:nvPr/>
         </p:nvGrpSpPr>
@@ -3668,11 +4094,18 @@
               <a:p>
                 <a:pPr algn="ctr"/>
                 <a:r>
-                  <a:rPr lang="en-US" altLang="ko-KR" sz="3000" dirty="0" smtClean="0">
+                  <a:rPr lang="ko-KR" altLang="en-US" sz="3000" dirty="0" smtClean="0">
                     <a:latin typeface="a신디나루B" panose="02020600000000000000" pitchFamily="18" charset="-127"/>
                     <a:ea typeface="a신디나루B" panose="02020600000000000000" pitchFamily="18" charset="-127"/>
                   </a:rPr>
-                  <a:t>COMING SOON</a:t>
+                  <a:t>짝 없는 </a:t>
+                </a:r>
+                <a:r>
+                  <a:rPr lang="ko-KR" altLang="en-US" sz="3000" dirty="0" smtClean="0">
+                    <a:latin typeface="a신디나루B" panose="02020600000000000000" pitchFamily="18" charset="-127"/>
+                    <a:ea typeface="a신디나루B" panose="02020600000000000000" pitchFamily="18" charset="-127"/>
+                  </a:rPr>
+                  <a:t>그림 찾기</a:t>
                 </a:r>
                 <a:endParaRPr lang="ko-KR" altLang="en-US" sz="3000" dirty="0">
                   <a:latin typeface="a신디나루B" panose="02020600000000000000" pitchFamily="18" charset="-127"/>
@@ -3684,19 +4117,119 @@
         </p:grpSp>
         <p:sp>
           <p:nvSpPr>
-            <p:cNvPr id="8" name="모서리가 둥근 직사각형 7"/>
+            <p:cNvPr id="7" name="모서리가 둥근 직사각형 6"/>
             <p:cNvSpPr/>
             <p:nvPr/>
           </p:nvSpPr>
           <p:spPr>
             <a:xfrm>
-              <a:off x="1063608" y="374634"/>
-              <a:ext cx="1282733" cy="1282733"/>
+              <a:off x="409897" y="301641"/>
+              <a:ext cx="498848" cy="503714"/>
             </a:xfrm>
             <a:prstGeom prst="roundRect">
               <a:avLst/>
             </a:prstGeom>
-            <a:noFill/>
+            <a:solidFill>
+              <a:srgbClr val="00B0F0"/>
+            </a:solidFill>
+            <a:ln>
+              <a:noFill/>
+            </a:ln>
+          </p:spPr>
+          <p:style>
+            <a:lnRef idx="2">
+              <a:schemeClr val="accent1">
+                <a:shade val="50000"/>
+              </a:schemeClr>
+            </a:lnRef>
+            <a:fillRef idx="1">
+              <a:schemeClr val="accent1"/>
+            </a:fillRef>
+            <a:effectRef idx="0">
+              <a:schemeClr val="accent1"/>
+            </a:effectRef>
+            <a:fontRef idx="minor">
+              <a:schemeClr val="lt1"/>
+            </a:fontRef>
+          </p:style>
+          <p:txBody>
+            <a:bodyPr rtlCol="0" anchor="ctr"/>
+            <a:lstStyle/>
+            <a:p>
+              <a:pPr algn="ctr"/>
+              <a:endParaRPr lang="ko-KR" altLang="en-US" sz="5000" dirty="0">
+                <a:latin typeface="a신디나루B" panose="02020600000000000000" pitchFamily="18" charset="-127"/>
+                <a:ea typeface="a신디나루B" panose="02020600000000000000" pitchFamily="18" charset="-127"/>
+              </a:endParaRPr>
+            </a:p>
+          </p:txBody>
+        </p:sp>
+        <p:sp>
+          <p:nvSpPr>
+            <p:cNvPr id="12" name="모서리가 둥근 직사각형 11"/>
+            <p:cNvSpPr/>
+            <p:nvPr/>
+          </p:nvSpPr>
+          <p:spPr>
+            <a:xfrm>
+              <a:off x="1467908" y="301641"/>
+              <a:ext cx="498848" cy="503714"/>
+            </a:xfrm>
+            <a:prstGeom prst="roundRect">
+              <a:avLst/>
+            </a:prstGeom>
+            <a:solidFill>
+              <a:srgbClr val="00B050"/>
+            </a:solidFill>
+            <a:ln>
+              <a:noFill/>
+            </a:ln>
+          </p:spPr>
+          <p:style>
+            <a:lnRef idx="2">
+              <a:schemeClr val="accent1">
+                <a:shade val="50000"/>
+              </a:schemeClr>
+            </a:lnRef>
+            <a:fillRef idx="1">
+              <a:schemeClr val="accent1"/>
+            </a:fillRef>
+            <a:effectRef idx="0">
+              <a:schemeClr val="accent1"/>
+            </a:effectRef>
+            <a:fontRef idx="minor">
+              <a:schemeClr val="lt1"/>
+            </a:fontRef>
+          </p:style>
+          <p:txBody>
+            <a:bodyPr rtlCol="0" anchor="ctr"/>
+            <a:lstStyle/>
+            <a:p>
+              <a:pPr algn="ctr"/>
+              <a:endParaRPr lang="ko-KR" altLang="en-US" sz="5000" dirty="0">
+                <a:latin typeface="a신디나루B" panose="02020600000000000000" pitchFamily="18" charset="-127"/>
+                <a:ea typeface="a신디나루B" panose="02020600000000000000" pitchFamily="18" charset="-127"/>
+              </a:endParaRPr>
+            </a:p>
+          </p:txBody>
+        </p:sp>
+        <p:sp>
+          <p:nvSpPr>
+            <p:cNvPr id="13" name="모서리가 둥근 직사각형 12"/>
+            <p:cNvSpPr/>
+            <p:nvPr/>
+          </p:nvSpPr>
+          <p:spPr>
+            <a:xfrm>
+              <a:off x="908745" y="1222520"/>
+              <a:ext cx="498848" cy="503714"/>
+            </a:xfrm>
+            <a:prstGeom prst="roundRect">
+              <a:avLst/>
+            </a:prstGeom>
+            <a:solidFill>
+              <a:srgbClr val="FF0000"/>
+            </a:solidFill>
             <a:ln>
               <a:noFill/>
             </a:ln>
@@ -3723,13 +4256,111 @@
             <a:p>
               <a:pPr algn="ctr"/>
               <a:r>
-                <a:rPr lang="en-US" altLang="ko-KR" sz="7000" dirty="0">
+                <a:rPr lang="en-US" altLang="ko-KR" sz="3000" dirty="0" smtClean="0">
                   <a:latin typeface="a신디나루B" panose="02020600000000000000" pitchFamily="18" charset="-127"/>
                   <a:ea typeface="a신디나루B" panose="02020600000000000000" pitchFamily="18" charset="-127"/>
                 </a:rPr>
-                <a:t>?</a:t>
+                <a:t>!</a:t>
               </a:r>
-              <a:endParaRPr lang="ko-KR" altLang="en-US" sz="7000" dirty="0">
+              <a:endParaRPr lang="ko-KR" altLang="en-US" sz="3000" dirty="0">
+                <a:latin typeface="a신디나루B" panose="02020600000000000000" pitchFamily="18" charset="-127"/>
+                <a:ea typeface="a신디나루B" panose="02020600000000000000" pitchFamily="18" charset="-127"/>
+              </a:endParaRPr>
+            </a:p>
+          </p:txBody>
+        </p:sp>
+        <p:sp>
+          <p:nvSpPr>
+            <p:cNvPr id="14" name="모서리가 둥근 직사각형 13"/>
+            <p:cNvSpPr/>
+            <p:nvPr/>
+          </p:nvSpPr>
+          <p:spPr>
+            <a:xfrm>
+              <a:off x="2054557" y="1228673"/>
+              <a:ext cx="498848" cy="503714"/>
+            </a:xfrm>
+            <a:prstGeom prst="roundRect">
+              <a:avLst/>
+            </a:prstGeom>
+            <a:solidFill>
+              <a:srgbClr val="00B0F0"/>
+            </a:solidFill>
+            <a:ln>
+              <a:noFill/>
+            </a:ln>
+          </p:spPr>
+          <p:style>
+            <a:lnRef idx="2">
+              <a:schemeClr val="accent1">
+                <a:shade val="50000"/>
+              </a:schemeClr>
+            </a:lnRef>
+            <a:fillRef idx="1">
+              <a:schemeClr val="accent1"/>
+            </a:fillRef>
+            <a:effectRef idx="0">
+              <a:schemeClr val="accent1"/>
+            </a:effectRef>
+            <a:fontRef idx="minor">
+              <a:schemeClr val="lt1"/>
+            </a:fontRef>
+          </p:style>
+          <p:txBody>
+            <a:bodyPr rtlCol="0" anchor="ctr"/>
+            <a:lstStyle/>
+            <a:p>
+              <a:pPr algn="ctr"/>
+              <a:endParaRPr lang="ko-KR" altLang="en-US" sz="5000" dirty="0">
+                <a:latin typeface="a신디나루B" panose="02020600000000000000" pitchFamily="18" charset="-127"/>
+                <a:ea typeface="a신디나루B" panose="02020600000000000000" pitchFamily="18" charset="-127"/>
+              </a:endParaRPr>
+            </a:p>
+          </p:txBody>
+        </p:sp>
+        <p:sp>
+          <p:nvSpPr>
+            <p:cNvPr id="15" name="모서리가 둥근 직사각형 14"/>
+            <p:cNvSpPr/>
+            <p:nvPr/>
+          </p:nvSpPr>
+          <p:spPr>
+            <a:xfrm>
+              <a:off x="2525919" y="299613"/>
+              <a:ext cx="498848" cy="503714"/>
+            </a:xfrm>
+            <a:prstGeom prst="roundRect">
+              <a:avLst/>
+            </a:prstGeom>
+            <a:solidFill>
+              <a:srgbClr val="00B050"/>
+            </a:solidFill>
+            <a:ln>
+              <a:noFill/>
+            </a:ln>
+          </p:spPr>
+          <p:style>
+            <a:lnRef idx="2">
+              <a:schemeClr val="accent1">
+                <a:shade val="50000"/>
+              </a:schemeClr>
+            </a:lnRef>
+            <a:fillRef idx="1">
+              <a:schemeClr val="accent1"/>
+            </a:fillRef>
+            <a:effectRef idx="0">
+              <a:schemeClr val="accent1"/>
+            </a:effectRef>
+            <a:fontRef idx="minor">
+              <a:schemeClr val="lt1"/>
+            </a:fontRef>
+          </p:style>
+          <p:txBody>
+            <a:bodyPr rtlCol="0" anchor="ctr"/>
+            <a:lstStyle/>
+            <a:p>
+              <a:pPr algn="ctr"/>
+              <a:endParaRPr lang="ko-KR" altLang="en-US" sz="5000" dirty="0">
                 <a:latin typeface="a신디나루B" panose="02020600000000000000" pitchFamily="18" charset="-127"/>
                 <a:ea typeface="a신디나루B" panose="02020600000000000000" pitchFamily="18" charset="-127"/>
               </a:endParaRPr>
@@ -3740,7 +4371,7 @@
     </p:spTree>
     <p:extLst>
       <p:ext uri="{BB962C8B-B14F-4D97-AF65-F5344CB8AC3E}">
-        <p14:creationId xmlns:p14="http://schemas.microsoft.com/office/powerpoint/2010/main" val="94388810"/>
+        <p14:creationId xmlns:p14="http://schemas.microsoft.com/office/powerpoint/2010/main" val="2513425772"/>
       </p:ext>
     </p:extLst>
   </p:cSld>
